--- a/Migrating-to-Slurm.pptx
+++ b/Migrating-to-Slurm.pptx
@@ -2216,9 +2216,7 @@
           <a:bodyPr/>
           <a:lstStyle/>
           <a:p>
-            <a:r>
-              <a:t>over 100TB of RAM total</a:t>
-            </a:r>
+            <a:endParaRPr dirty="0"/>
           </a:p>
         </p:txBody>
       </p:sp>
@@ -5691,7 +5689,7 @@
                 </a:solidFill>
               </a:defRPr>
             </a:pPr>
-            <a:endParaRPr/>
+            <a:endParaRPr dirty="0"/>
           </a:p>
           <a:p>
             <a:pPr>
@@ -5702,8 +5700,22 @@
               </a:defRPr>
             </a:pPr>
             <a:r>
-              <a:t>Janna Nugent, Alper Kinaci</a:t>
-            </a:r>
+              <a:rPr dirty="0" smtClean="0"/>
+              <a:t>Alper Kinaci</a:t>
+            </a:r>
+            <a:r>
+              <a:rPr lang="en-US" dirty="0" smtClean="0"/>
+              <a:t>, </a:t>
+            </a:r>
+            <a:r>
+              <a:rPr lang="en-US" dirty="0"/>
+              <a:t>Janna </a:t>
+            </a:r>
+            <a:r>
+              <a:rPr lang="en-US" dirty="0" smtClean="0"/>
+              <a:t>Nugent</a:t>
+            </a:r>
+            <a:endParaRPr dirty="0" smtClean="0"/>
           </a:p>
           <a:p>
             <a:pPr>
@@ -5714,8 +5726,10 @@
               </a:defRPr>
             </a:pPr>
             <a:r>
+              <a:rPr dirty="0" smtClean="0"/>
               <a:t>Research Computing Services</a:t>
             </a:r>
+            <a:endParaRPr dirty="0"/>
           </a:p>
         </p:txBody>
       </p:sp>
@@ -5801,7 +5815,7 @@
         </p:blipFill>
         <p:spPr>
           <a:xfrm>
-            <a:off x="1394236" y="342780"/>
+            <a:off x="1412880" y="851602"/>
             <a:ext cx="11439023" cy="8257584"/>
           </a:xfrm>
           <a:prstGeom prst="rect">
@@ -32440,8 +32454,8 @@
         </p:nvSpPr>
         <p:spPr>
           <a:xfrm>
-            <a:off x="1152144" y="1899400"/>
-            <a:ext cx="11458956" cy="7498603"/>
+            <a:off x="1152143" y="1899400"/>
+            <a:ext cx="11735953" cy="7498603"/>
           </a:xfrm>
           <a:prstGeom prst="rect">
             <a:avLst/>
@@ -32573,7 +32587,27 @@
             </a:pPr>
             <a:r>
               <a:rPr lang="en-US" sz="4000" dirty="0" smtClean="0"/>
-              <a:t> Jobs cannot exceed memory </a:t>
+              <a:t> Jobs </a:t>
+            </a:r>
+            <a:r>
+              <a:rPr lang="en-US" sz="4000" smtClean="0"/>
+              <a:t>cannot </a:t>
+            </a:r>
+            <a:r>
+              <a:rPr lang="en-US" sz="4000" smtClean="0"/>
+              <a:t>overstep</a:t>
+            </a:r>
+            <a:r>
+              <a:rPr lang="en-US" sz="4000" smtClean="0"/>
+              <a:t> </a:t>
+            </a:r>
+            <a:r>
+              <a:rPr lang="en-US" sz="4000" dirty="0" smtClean="0"/>
+              <a:t>reserved </a:t>
+            </a:r>
+            <a:r>
+              <a:rPr lang="en-US" sz="4000" dirty="0" smtClean="0"/>
+              <a:t>memory </a:t>
             </a:r>
             <a:r>
               <a:rPr lang="en-US" sz="4000" dirty="0"/>

--- a/Migrating-to-Slurm.pptx
+++ b/Migrating-to-Slurm.pptx
@@ -13659,8 +13659,8 @@
         </p:nvSpPr>
         <p:spPr>
           <a:xfrm>
-            <a:off x="6386103" y="3160238"/>
-            <a:ext cx="6618697" cy="3480390"/>
+            <a:off x="6386103" y="2678968"/>
+            <a:ext cx="6618697" cy="5757194"/>
           </a:xfrm>
           <a:prstGeom prst="rect">
             <a:avLst/>
@@ -13744,9 +13744,68 @@
             </a:pPr>
             <a:r>
               <a:rPr lang="en-US" sz="3200" dirty="0" smtClean="0"/>
-              <a:t>Any module or environment variable set on your terminal during submission time will be passed on to the job</a:t>
-            </a:r>
+              <a:t>Any module or environment variable set on your terminal during submission time will be passed on to the </a:t>
+            </a:r>
+            <a:r>
+              <a:rPr lang="en-US" sz="3200" dirty="0" smtClean="0"/>
+              <a:t>job</a:t>
+            </a:r>
+          </a:p>
+          <a:p>
+            <a:pPr marL="571500" indent="-571500" algn="l">
+              <a:buFont typeface="Arial" panose="020B0604020202020204" pitchFamily="34" charset="0"/>
+              <a:buChar char="•"/>
+              <a:defRPr sz="3200">
+                <a:solidFill>
+                  <a:srgbClr val="000000"/>
+                </a:solidFill>
+                <a:latin typeface="Helvetica Light"/>
+                <a:ea typeface="Helvetica Light"/>
+                <a:cs typeface="Helvetica Light"/>
+                <a:sym typeface="Helvetica Light"/>
+              </a:defRPr>
+            </a:pPr>
             <a:endParaRPr lang="en-US" sz="3200" dirty="0"/>
+          </a:p>
+          <a:p>
+            <a:pPr marL="571500" indent="-571500" algn="l">
+              <a:buFont typeface="Arial" panose="020B0604020202020204" pitchFamily="34" charset="0"/>
+              <a:buChar char="•"/>
+              <a:defRPr sz="3200">
+                <a:solidFill>
+                  <a:srgbClr val="000000"/>
+                </a:solidFill>
+                <a:latin typeface="Helvetica Light"/>
+                <a:ea typeface="Helvetica Light"/>
+                <a:cs typeface="Helvetica Light"/>
+                <a:sym typeface="Helvetica Light"/>
+              </a:defRPr>
+            </a:pPr>
+            <a:r>
+              <a:rPr lang="en-US" sz="3200" dirty="0" smtClean="0"/>
+              <a:t>No need to change directory to </a:t>
+            </a:r>
+            <a:r>
+              <a:rPr lang="en-US" sz="3200" dirty="0" smtClean="0">
+                <a:solidFill>
+                  <a:srgbClr val="333333"/>
+                </a:solidFill>
+                <a:latin typeface="Courier New"/>
+                <a:ea typeface="Courier New"/>
+                <a:cs typeface="Courier New"/>
+                <a:sym typeface="Courier New"/>
+              </a:rPr>
+              <a:t>$PBS_O_WORKDIR</a:t>
+            </a:r>
+            <a:endParaRPr lang="en-US" sz="3200" dirty="0">
+              <a:solidFill>
+                <a:srgbClr val="333333"/>
+              </a:solidFill>
+              <a:latin typeface="Courier New"/>
+              <a:ea typeface="Courier New"/>
+              <a:cs typeface="Courier New"/>
+              <a:sym typeface="Courier New"/>
+            </a:endParaRPr>
           </a:p>
         </p:txBody>
       </p:sp>
@@ -32587,23 +32646,15 @@
             </a:pPr>
             <a:r>
               <a:rPr lang="en-US" sz="4000" dirty="0" smtClean="0"/>
-              <a:t> Jobs </a:t>
-            </a:r>
-            <a:r>
-              <a:rPr lang="en-US" sz="4000" smtClean="0"/>
-              <a:t>cannot </a:t>
-            </a:r>
-            <a:r>
-              <a:rPr lang="en-US" sz="4000" smtClean="0"/>
+              <a:t> Jobs cannot </a:t>
+            </a:r>
+            <a:r>
+              <a:rPr lang="en-US" sz="4000" dirty="0" smtClean="0"/>
               <a:t>overstep</a:t>
             </a:r>
             <a:r>
-              <a:rPr lang="en-US" sz="4000" smtClean="0"/>
-              <a:t> </a:t>
-            </a:r>
-            <a:r>
               <a:rPr lang="en-US" sz="4000" dirty="0" smtClean="0"/>
-              <a:t>reserved </a:t>
+              <a:t> reserved </a:t>
             </a:r>
             <a:r>
               <a:rPr lang="en-US" sz="4000" dirty="0" smtClean="0"/>
